--- a/docs/ppt/reversible-computation - intro.pptx
+++ b/docs/ppt/reversible-computation - intro.pptx
@@ -282,7 +282,7 @@
           <a:p>
             <a:fld id="{781BEADB-AF5A-4392-865E-B1E711821C65}" type="datetimeFigureOut">
               <a:rPr lang="zh-CN" altLang="en-US" smtClean="0"/>
-              <a:t>2025/4/18</a:t>
+              <a:t>2025/4/19</a:t>
             </a:fld>
             <a:endParaRPr lang="zh-CN" altLang="en-US"/>
           </a:p>
@@ -480,7 +480,7 @@
           <a:p>
             <a:fld id="{781BEADB-AF5A-4392-865E-B1E711821C65}" type="datetimeFigureOut">
               <a:rPr lang="zh-CN" altLang="en-US" smtClean="0"/>
-              <a:t>2025/4/18</a:t>
+              <a:t>2025/4/19</a:t>
             </a:fld>
             <a:endParaRPr lang="zh-CN" altLang="en-US"/>
           </a:p>
@@ -688,7 +688,7 @@
           <a:p>
             <a:fld id="{781BEADB-AF5A-4392-865E-B1E711821C65}" type="datetimeFigureOut">
               <a:rPr lang="zh-CN" altLang="en-US" smtClean="0"/>
-              <a:t>2025/4/18</a:t>
+              <a:t>2025/4/19</a:t>
             </a:fld>
             <a:endParaRPr lang="zh-CN" altLang="en-US"/>
           </a:p>
@@ -886,7 +886,7 @@
           <a:p>
             <a:fld id="{781BEADB-AF5A-4392-865E-B1E711821C65}" type="datetimeFigureOut">
               <a:rPr lang="zh-CN" altLang="en-US" smtClean="0"/>
-              <a:t>2025/4/18</a:t>
+              <a:t>2025/4/19</a:t>
             </a:fld>
             <a:endParaRPr lang="zh-CN" altLang="en-US"/>
           </a:p>
@@ -1161,7 +1161,7 @@
           <a:p>
             <a:fld id="{781BEADB-AF5A-4392-865E-B1E711821C65}" type="datetimeFigureOut">
               <a:rPr lang="zh-CN" altLang="en-US" smtClean="0"/>
-              <a:t>2025/4/18</a:t>
+              <a:t>2025/4/19</a:t>
             </a:fld>
             <a:endParaRPr lang="zh-CN" altLang="en-US"/>
           </a:p>
@@ -1426,7 +1426,7 @@
           <a:p>
             <a:fld id="{781BEADB-AF5A-4392-865E-B1E711821C65}" type="datetimeFigureOut">
               <a:rPr lang="zh-CN" altLang="en-US" smtClean="0"/>
-              <a:t>2025/4/18</a:t>
+              <a:t>2025/4/19</a:t>
             </a:fld>
             <a:endParaRPr lang="zh-CN" altLang="en-US"/>
           </a:p>
@@ -1838,7 +1838,7 @@
           <a:p>
             <a:fld id="{781BEADB-AF5A-4392-865E-B1E711821C65}" type="datetimeFigureOut">
               <a:rPr lang="zh-CN" altLang="en-US" smtClean="0"/>
-              <a:t>2025/4/18</a:t>
+              <a:t>2025/4/19</a:t>
             </a:fld>
             <a:endParaRPr lang="zh-CN" altLang="en-US"/>
           </a:p>
@@ -1979,7 +1979,7 @@
           <a:p>
             <a:fld id="{781BEADB-AF5A-4392-865E-B1E711821C65}" type="datetimeFigureOut">
               <a:rPr lang="zh-CN" altLang="en-US" smtClean="0"/>
-              <a:t>2025/4/18</a:t>
+              <a:t>2025/4/19</a:t>
             </a:fld>
             <a:endParaRPr lang="zh-CN" altLang="en-US"/>
           </a:p>
@@ -2092,7 +2092,7 @@
           <a:p>
             <a:fld id="{781BEADB-AF5A-4392-865E-B1E711821C65}" type="datetimeFigureOut">
               <a:rPr lang="zh-CN" altLang="en-US" smtClean="0"/>
-              <a:t>2025/4/18</a:t>
+              <a:t>2025/4/19</a:t>
             </a:fld>
             <a:endParaRPr lang="zh-CN" altLang="en-US"/>
           </a:p>
@@ -2403,7 +2403,7 @@
           <a:p>
             <a:fld id="{781BEADB-AF5A-4392-865E-B1E711821C65}" type="datetimeFigureOut">
               <a:rPr lang="zh-CN" altLang="en-US" smtClean="0"/>
-              <a:t>2025/4/18</a:t>
+              <a:t>2025/4/19</a:t>
             </a:fld>
             <a:endParaRPr lang="zh-CN" altLang="en-US"/>
           </a:p>
@@ -2691,7 +2691,7 @@
           <a:p>
             <a:fld id="{781BEADB-AF5A-4392-865E-B1E711821C65}" type="datetimeFigureOut">
               <a:rPr lang="zh-CN" altLang="en-US" smtClean="0"/>
-              <a:t>2025/4/18</a:t>
+              <a:t>2025/4/19</a:t>
             </a:fld>
             <a:endParaRPr lang="zh-CN" altLang="en-US"/>
           </a:p>
@@ -2932,7 +2932,7 @@
           <a:p>
             <a:fld id="{781BEADB-AF5A-4392-865E-B1E711821C65}" type="datetimeFigureOut">
               <a:rPr lang="zh-CN" altLang="en-US" smtClean="0"/>
-              <a:t>2025/4/18</a:t>
+              <a:t>2025/4/19</a:t>
             </a:fld>
             <a:endParaRPr lang="zh-CN" altLang="en-US"/>
           </a:p>
@@ -4998,7 +4998,7 @@
         </p:spPr>
         <p:txBody>
           <a:bodyPr vert="horz" lIns="91440" tIns="45720" rIns="91440" bIns="45720" rtlCol="0">
-            <a:normAutofit/>
+            <a:normAutofit fontScale="92500" lnSpcReduction="20000"/>
           </a:bodyPr>
           <a:lstStyle>
             <a:lvl1pPr marL="228600" indent="-228600" algn="l" defTabSz="914400" rtl="0" eaLnBrk="1" latinLnBrk="0" hangingPunct="1">
@@ -5179,6 +5179,18 @@
           </a:p>
           <a:p>
             <a:pPr marL="0" indent="0">
+              <a:buNone/>
+            </a:pPr>
+            <a:r>
+              <a:rPr lang="en-US" altLang="zh-CN" sz="2400" dirty="0">
+                <a:hlinkClick r:id="rId4"/>
+              </a:rPr>
+              <a:t>https://gitcode.com/canonical-entropy/nop-entropy</a:t>
+            </a:r>
+            <a:endParaRPr lang="en-US" altLang="zh-CN" sz="2400" dirty="0"/>
+          </a:p>
+          <a:p>
+            <a:pPr marL="0" indent="0">
               <a:buFont typeface="Arial" panose="020B0604020202020204" pitchFamily="34" charset="0"/>
               <a:buNone/>
             </a:pPr>
@@ -7735,24 +7747,17 @@
               <a:t>AI</a:t>
             </a:r>
             <a:r>
-              <a:rPr lang="zh-CN" altLang="en-US">
+              <a:rPr lang="zh-CN" altLang="en-US" dirty="0">
                 <a:latin typeface="ui-sans-serif"/>
               </a:rPr>
               <a:t>大模型</a:t>
-            </a:r>
-            <a:r>
-              <a:rPr lang="zh-CN" altLang="en-US" b="0" i="0">
-                <a:effectLst/>
-                <a:latin typeface="ui-sans-serif"/>
-              </a:rPr>
-              <a:t>对话</a:t>
             </a:r>
             <a:r>
               <a:rPr lang="zh-CN" altLang="en-US" b="0" i="0" dirty="0">
                 <a:effectLst/>
                 <a:latin typeface="ui-sans-serif"/>
               </a:rPr>
-              <a:t>，成为</a:t>
+              <a:t>对话，成为</a:t>
             </a:r>
             <a:r>
               <a:rPr lang="en-US" altLang="zh-CN" b="0" i="0" dirty="0">
@@ -7821,7 +7826,7 @@
         </p:spPr>
         <p:txBody>
           <a:bodyPr vert="horz" lIns="91440" tIns="45720" rIns="91440" bIns="45720" rtlCol="0">
-            <a:normAutofit/>
+            <a:normAutofit fontScale="92500" lnSpcReduction="20000"/>
           </a:bodyPr>
           <a:lstStyle>
             <a:lvl1pPr marL="228600" indent="-228600" algn="l" defTabSz="914400" rtl="0" eaLnBrk="1" latinLnBrk="0" hangingPunct="1">
@@ -7997,6 +8002,18 @@
                 <a:hlinkClick r:id="rId2"/>
               </a:rPr>
               <a:t>https://gitee.com/canonical-entropy/nop-entropy</a:t>
+            </a:r>
+            <a:endParaRPr lang="en-US" altLang="zh-CN" sz="2400" dirty="0"/>
+          </a:p>
+          <a:p>
+            <a:pPr marL="0" indent="0">
+              <a:buNone/>
+            </a:pPr>
+            <a:r>
+              <a:rPr lang="en-US" altLang="zh-CN" sz="2400" dirty="0">
+                <a:hlinkClick r:id="rId2"/>
+              </a:rPr>
+              <a:t>https://gitcode.com/canonical-entropy/nop-entropy</a:t>
             </a:r>
             <a:endParaRPr lang="en-US" altLang="zh-CN" sz="2400" dirty="0"/>
           </a:p>
